--- a/PHASE ONE PROJECT.pptx
+++ b/PHASE ONE PROJECT.pptx
@@ -5985,7 +5985,7 @@
           </a:effectLst>
           <a:extLst>
             <a:ext uri="{91240B29-F687-4f45-9708-019B960494DF}">
-              <a14:hiddenLine xmlns:a16="http://schemas.microsoft.com/office/drawing/2014/main" xmlns:p14="http://schemas.microsoft.com/office/powerpoint/2010/main" xmlns:a14="http://schemas.microsoft.com/office/drawing/2010/main" xmlns="" w="9525">
+              <a14:hiddenLine xmlns="" xmlns:a14="http://schemas.microsoft.com/office/drawing/2010/main" xmlns:p14="http://schemas.microsoft.com/office/powerpoint/2010/main" xmlns:a16="http://schemas.microsoft.com/office/drawing/2014/main" w="9525">
                 <a:solidFill>
                   <a:srgbClr val="000000"/>
                 </a:solidFill>
@@ -6086,13 +6086,6 @@
                 <a:latin typeface="-apple-system"/>
               </a:rPr>
             </a:br>
-            <a:r>
-              <a:rPr lang="en-US" sz="4400" b="1" dirty="0">
-                <a:effectLst/>
-                <a:latin typeface="-apple-system"/>
-              </a:rPr>
-              <a:t> </a:t>
-            </a:r>
             <a:r>
               <a:rPr lang="en-US" sz="3100" b="1" dirty="0">
                 <a:effectLst/>
@@ -6128,20 +6121,11 @@
   <p:cSld>
     <p:bg>
       <p:bgPr>
-        <a:blipFill rotWithShape="1">
-          <a:blip r:embed="rId2">
-            <a:duotone>
-              <a:schemeClr val="bg1">
-                <a:shade val="80000"/>
-                <a:lumMod val="80000"/>
-              </a:schemeClr>
-              <a:schemeClr val="bg1">
-                <a:tint val="98000"/>
-              </a:schemeClr>
-            </a:duotone>
-          </a:blip>
-          <a:stretch/>
-        </a:blipFill>
+        <a:solidFill>
+          <a:schemeClr val="tx2">
+            <a:lumMod val="25000"/>
+          </a:schemeClr>
+        </a:solidFill>
         <a:effectLst/>
       </p:bgPr>
     </p:bg>
@@ -6289,6 +6273,16 @@
 <file path=ppt/slides/slide3.xml><?xml version="1.0" encoding="utf-8"?>
 <p:sld xmlns:a="http://schemas.openxmlformats.org/drawingml/2006/main" xmlns:r="http://schemas.openxmlformats.org/officeDocument/2006/relationships" xmlns:p="http://schemas.openxmlformats.org/presentationml/2006/main">
   <p:cSld>
+    <p:bg>
+      <p:bgPr>
+        <a:solidFill>
+          <a:schemeClr val="tx2">
+            <a:lumMod val="25000"/>
+          </a:schemeClr>
+        </a:solidFill>
+        <a:effectLst/>
+      </p:bgPr>
+    </p:bg>
     <p:spTree>
       <p:nvGrpSpPr>
         <p:cNvPr id="1" name=""/>
@@ -6424,6 +6418,16 @@
 <file path=ppt/slides/slide4.xml><?xml version="1.0" encoding="utf-8"?>
 <p:sld xmlns:a="http://schemas.openxmlformats.org/drawingml/2006/main" xmlns:r="http://schemas.openxmlformats.org/officeDocument/2006/relationships" xmlns:p="http://schemas.openxmlformats.org/presentationml/2006/main">
   <p:cSld>
+    <p:bg>
+      <p:bgPr>
+        <a:solidFill>
+          <a:schemeClr val="tx2">
+            <a:lumMod val="25000"/>
+          </a:schemeClr>
+        </a:solidFill>
+        <a:effectLst/>
+      </p:bgPr>
+    </p:bg>
     <p:spTree>
       <p:nvGrpSpPr>
         <p:cNvPr id="1" name=""/>
@@ -6673,8 +6677,8 @@
         </p:nvSpPr>
         <p:spPr>
           <a:xfrm>
-            <a:off x="1038560" y="609601"/>
-            <a:ext cx="10353762" cy="1257300"/>
+            <a:off x="1214203" y="419725"/>
+            <a:ext cx="10592835" cy="1191786"/>
           </a:xfrm>
         </p:spPr>
         <p:txBody>
@@ -6691,7 +6695,7 @@
                 <a:effectLst/>
                 <a:latin typeface="Consolas" panose="020B0609020204030204" pitchFamily="49" charset="0"/>
               </a:rPr>
-              <a:t>2. Analyze past data to identify accident trends over time and determine whether accident rates are improving or worsening</a:t>
+              <a:t>1. Analyze past data to identify accident trends over time and determine whether accident rates are improving or worsening</a:t>
             </a:r>
             <a:br>
               <a:rPr lang="en-US" b="0" dirty="0">
@@ -6737,8 +6741,8 @@
         </p:blipFill>
         <p:spPr>
           <a:xfrm>
-            <a:off x="6215441" y="1866901"/>
-            <a:ext cx="5637172" cy="4210342"/>
+            <a:off x="6096000" y="1761970"/>
+            <a:ext cx="5637172" cy="4174135"/>
           </a:xfrm>
         </p:spPr>
       </p:pic>
@@ -6756,7 +6760,7 @@
         </p:nvSpPr>
         <p:spPr>
           <a:xfrm>
-            <a:off x="913795" y="2053882"/>
+            <a:off x="339387" y="1978931"/>
             <a:ext cx="5515140" cy="3139321"/>
           </a:xfrm>
           <a:prstGeom prst="rect">
@@ -7069,7 +7073,7 @@
       <p:bgPr>
         <a:solidFill>
           <a:schemeClr val="tx2">
-            <a:lumMod val="90000"/>
+            <a:lumMod val="25000"/>
           </a:schemeClr>
         </a:solidFill>
         <a:effectLst/>
@@ -7165,39 +7169,9 @@
         </p:blipFill>
         <p:spPr>
           <a:xfrm>
-            <a:off x="117231" y="1599227"/>
-            <a:ext cx="5978769" cy="3996052"/>
+            <a:off x="1616247" y="1704157"/>
+            <a:ext cx="7063058" cy="4922191"/>
           </a:xfrm>
-        </p:spPr>
-      </p:pic>
-      <p:pic>
-        <p:nvPicPr>
-          <p:cNvPr id="11" name="Picture 10">
-            <a:extLst>
-              <a:ext uri="{FF2B5EF4-FFF2-40B4-BE49-F238E27FC236}">
-                <a16:creationId xmlns:a16="http://schemas.microsoft.com/office/drawing/2014/main" id="{B4BB4DA6-9928-4684-D63D-40F8185701DB}"/>
-              </a:ext>
-            </a:extLst>
-          </p:cNvPr>
-          <p:cNvPicPr>
-            <a:picLocks noChangeAspect="1"/>
-          </p:cNvPicPr>
-          <p:nvPr/>
-        </p:nvPicPr>
-        <p:blipFill>
-          <a:blip r:embed="rId3"/>
-          <a:stretch>
-            <a:fillRect/>
-          </a:stretch>
-        </p:blipFill>
-        <p:spPr>
-          <a:xfrm>
-            <a:off x="4498125" y="1768117"/>
-            <a:ext cx="7693875" cy="3490656"/>
-          </a:xfrm>
-          <a:prstGeom prst="rect">
-            <a:avLst/>
-          </a:prstGeom>
         </p:spPr>
       </p:pic>
     </p:spTree>
@@ -7216,6 +7190,16 @@
 <file path=ppt/slides/slide8.xml><?xml version="1.0" encoding="utf-8"?>
 <p:sld xmlns:a="http://schemas.openxmlformats.org/drawingml/2006/main" xmlns:r="http://schemas.openxmlformats.org/officeDocument/2006/relationships" xmlns:p="http://schemas.openxmlformats.org/presentationml/2006/main">
   <p:cSld>
+    <p:bg>
+      <p:bgPr>
+        <a:solidFill>
+          <a:schemeClr val="tx2">
+            <a:lumMod val="25000"/>
+          </a:schemeClr>
+        </a:solidFill>
+        <a:effectLst/>
+      </p:bgPr>
+    </p:bg>
     <p:spTree>
       <p:nvGrpSpPr>
         <p:cNvPr id="1" name=""/>
@@ -7673,15 +7657,6 @@
 </file>
 
 <file path=customXml/item2.xml><?xml version="1.0" encoding="utf-8"?>
-<?mso-contentType ?>
-<FormTemplates xmlns="http://schemas.microsoft.com/sharepoint/v3/contenttype/forms">
-  <Display>DocumentLibraryForm</Display>
-  <Edit>DocumentLibraryForm</Edit>
-  <New>DocumentLibraryForm</New>
-</FormTemplates>
-</file>
-
-<file path=customXml/item3.xml><?xml version="1.0" encoding="utf-8"?>
 <ct:contentTypeSchema xmlns:ct="http://schemas.microsoft.com/office/2006/metadata/contentType" xmlns:ma="http://schemas.microsoft.com/office/2006/metadata/properties/metaAttributes" ct:_="" ma:_="" ma:contentTypeName="Document" ma:contentTypeID="0x01010079F111ED35F8CC479449609E8A0923A6" ma:contentTypeVersion="12" ma:contentTypeDescription="Create a new document." ma:contentTypeScope="" ma:versionID="a410dd7f93c95333ffa1b60ed6adedd1">
   <xsd:schema xmlns:xsd="http://www.w3.org/2001/XMLSchema" xmlns:xs="http://www.w3.org/2001/XMLSchema" xmlns:p="http://schemas.microsoft.com/office/2006/metadata/properties" xmlns:ns2="71af3243-3dd4-4a8d-8c0d-dd76da1f02a5" xmlns:ns3="16c05727-aa75-4e4a-9b5f-8a80a1165891" targetNamespace="http://schemas.microsoft.com/office/2006/metadata/properties" ma:root="true" ma:fieldsID="a936d9baba76aa3866493feff160faab" ns2:_="" ns3:_="">
     <xsd:import namespace="71af3243-3dd4-4a8d-8c0d-dd76da1f02a5"/>
@@ -7902,6 +7877,15 @@
 </ct:contentTypeSchema>
 </file>
 
+<file path=customXml/item3.xml><?xml version="1.0" encoding="utf-8"?>
+<?mso-contentType ?>
+<FormTemplates xmlns="http://schemas.microsoft.com/sharepoint/v3/contenttype/forms">
+  <Display>DocumentLibraryForm</Display>
+  <Edit>DocumentLibraryForm</Edit>
+  <New>DocumentLibraryForm</New>
+</FormTemplates>
+</file>
+
 <file path=customXml/itemProps1.xml><?xml version="1.0" encoding="utf-8"?>
 <ds:datastoreItem xmlns:ds="http://schemas.openxmlformats.org/officeDocument/2006/customXml" ds:itemID="{F7E70FC5-1855-47AB-8CE1-CB3C873A8988}">
   <ds:schemaRefs>
@@ -7913,14 +7897,6 @@
 </file>
 
 <file path=customXml/itemProps2.xml><?xml version="1.0" encoding="utf-8"?>
-<ds:datastoreItem xmlns:ds="http://schemas.openxmlformats.org/officeDocument/2006/customXml" ds:itemID="{30CB38EC-895A-4F8F-8F75-E263501ABB5A}">
-  <ds:schemaRefs>
-    <ds:schemaRef ds:uri="http://schemas.microsoft.com/sharepoint/v3/contenttype/forms"/>
-  </ds:schemaRefs>
-</ds:datastoreItem>
-</file>
-
-<file path=customXml/itemProps3.xml><?xml version="1.0" encoding="utf-8"?>
 <ds:datastoreItem xmlns:ds="http://schemas.openxmlformats.org/officeDocument/2006/customXml" ds:itemID="{5560E646-30AD-4BA0-97EA-A7A07DF5499A}">
   <ds:schemaRefs>
     <ds:schemaRef ds:uri="http://schemas.microsoft.com/office/2006/metadata/contentType"/>
@@ -7937,4 +7913,12 @@
     <ds:schemaRef ds:uri="http://schemas.microsoft.com/internal/obd"/>
   </ds:schemaRefs>
 </ds:datastoreItem>
+</file>
+
+<file path=customXml/itemProps3.xml><?xml version="1.0" encoding="utf-8"?>
+<ds:datastoreItem xmlns:ds="http://schemas.openxmlformats.org/officeDocument/2006/customXml" ds:itemID="{30CB38EC-895A-4F8F-8F75-E263501ABB5A}">
+  <ds:schemaRefs>
+    <ds:schemaRef ds:uri="http://schemas.microsoft.com/sharepoint/v3/contenttype/forms"/>
+  </ds:schemaRefs>
+</ds:datastoreItem>
 </file>